--- a/spring - 학습자료/PART1.pptx
+++ b/spring - 학습자료/PART1.pptx
@@ -1596,7 +1596,7 @@
           <a:p>
             <a:fld id="{34F19EB9-08EE-4231-8ACF-560992D1D5B5}" type="datetimeFigureOut">
               <a:rPr lang="ko-KR" altLang="en-US" smtClean="0"/>
-              <a:t>2023-04-12</a:t>
+              <a:t>2023-04-13</a:t>
             </a:fld>
             <a:endParaRPr lang="ko-KR" altLang="en-US"/>
           </a:p>
@@ -2095,7 +2095,7 @@
           <a:p>
             <a:fld id="{48A87A34-81AB-432B-8DAE-1953F412C126}" type="datetimeFigureOut">
               <a:rPr lang="en-US" smtClean="0"/>
-              <a:t>4/12/2023</a:t>
+              <a:t>4/13/2023</a:t>
             </a:fld>
             <a:endParaRPr lang="en-US"/>
           </a:p>
@@ -2293,7 +2293,7 @@
           <a:p>
             <a:fld id="{48A87A34-81AB-432B-8DAE-1953F412C126}" type="datetimeFigureOut">
               <a:rPr lang="en-US" smtClean="0"/>
-              <a:t>4/12/2023</a:t>
+              <a:t>4/13/2023</a:t>
             </a:fld>
             <a:endParaRPr lang="en-US"/>
           </a:p>
@@ -2501,7 +2501,7 @@
           <a:p>
             <a:fld id="{48A87A34-81AB-432B-8DAE-1953F412C126}" type="datetimeFigureOut">
               <a:rPr lang="en-US" smtClean="0"/>
-              <a:t>4/12/2023</a:t>
+              <a:t>4/13/2023</a:t>
             </a:fld>
             <a:endParaRPr lang="en-US"/>
           </a:p>
@@ -2709,7 +2709,7 @@
           <a:p>
             <a:fld id="{48A87A34-81AB-432B-8DAE-1953F412C126}" type="datetimeFigureOut">
               <a:rPr lang="en-US" smtClean="0"/>
-              <a:t>4/12/2023</a:t>
+              <a:t>4/13/2023</a:t>
             </a:fld>
             <a:endParaRPr lang="en-US"/>
           </a:p>
@@ -2984,7 +2984,7 @@
           <a:p>
             <a:fld id="{48A87A34-81AB-432B-8DAE-1953F412C126}" type="datetimeFigureOut">
               <a:rPr lang="en-US" smtClean="0"/>
-              <a:t>4/12/2023</a:t>
+              <a:t>4/13/2023</a:t>
             </a:fld>
             <a:endParaRPr lang="en-US"/>
           </a:p>
@@ -3250,7 +3250,7 @@
             <a:fld id="{48A87A34-81AB-432B-8DAE-1953F412C126}" type="datetimeFigureOut">
               <a:rPr lang="en-US" smtClean="0"/>
               <a:pPr/>
-              <a:t>4/12/2023</a:t>
+              <a:t>4/13/2023</a:t>
             </a:fld>
             <a:endParaRPr lang="en-US"/>
           </a:p>
@@ -3663,7 +3663,7 @@
           <a:p>
             <a:fld id="{48A87A34-81AB-432B-8DAE-1953F412C126}" type="datetimeFigureOut">
               <a:rPr lang="en-US" smtClean="0"/>
-              <a:t>4/12/2023</a:t>
+              <a:t>4/13/2023</a:t>
             </a:fld>
             <a:endParaRPr lang="en-US"/>
           </a:p>
@@ -3804,7 +3804,7 @@
           <a:p>
             <a:fld id="{48A87A34-81AB-432B-8DAE-1953F412C126}" type="datetimeFigureOut">
               <a:rPr lang="en-US" smtClean="0"/>
-              <a:t>4/12/2023</a:t>
+              <a:t>4/13/2023</a:t>
             </a:fld>
             <a:endParaRPr lang="en-US"/>
           </a:p>
@@ -3917,7 +3917,7 @@
           <a:p>
             <a:fld id="{48A87A34-81AB-432B-8DAE-1953F412C126}" type="datetimeFigureOut">
               <a:rPr lang="en-US" smtClean="0"/>
-              <a:t>4/12/2023</a:t>
+              <a:t>4/13/2023</a:t>
             </a:fld>
             <a:endParaRPr lang="en-US"/>
           </a:p>
@@ -4228,7 +4228,7 @@
           <a:p>
             <a:fld id="{48A87A34-81AB-432B-8DAE-1953F412C126}" type="datetimeFigureOut">
               <a:rPr lang="en-US" smtClean="0"/>
-              <a:t>4/12/2023</a:t>
+              <a:t>4/13/2023</a:t>
             </a:fld>
             <a:endParaRPr lang="en-US"/>
           </a:p>
@@ -4517,7 +4517,7 @@
             <a:fld id="{48A87A34-81AB-432B-8DAE-1953F412C126}" type="datetimeFigureOut">
               <a:rPr lang="en-US" smtClean="0"/>
               <a:pPr/>
-              <a:t>4/12/2023</a:t>
+              <a:t>4/13/2023</a:t>
             </a:fld>
             <a:endParaRPr lang="en-US"/>
           </a:p>
@@ -4760,7 +4760,7 @@
             <a:fld id="{48A87A34-81AB-432B-8DAE-1953F412C126}" type="datetimeFigureOut">
               <a:rPr lang="en-US" smtClean="0"/>
               <a:pPr/>
-              <a:t>4/12/2023</a:t>
+              <a:t>4/13/2023</a:t>
             </a:fld>
             <a:endParaRPr lang="en-US"/>
           </a:p>
@@ -5574,12 +5574,36 @@
             </a:r>
             <a:r>
               <a:rPr lang="en-US" altLang="ko-KR" dirty="0"/>
-              <a:t>=&gt; 5.0.7</a:t>
-            </a:r>
-          </a:p>
-          <a:p>
-            <a:r>
-              <a:rPr lang="en-US" altLang="ko-KR" dirty="0"/>
+              <a:t>=&gt; </a:t>
+            </a:r>
+            <a:r>
+              <a:rPr lang="en-US" altLang="ko-KR" dirty="0" smtClean="0"/>
+              <a:t>5.0.7 (5.3.26</a:t>
+            </a:r>
+            <a:r>
+              <a:rPr lang="ko-KR" altLang="en-US" dirty="0" smtClean="0"/>
+              <a:t>으로 </a:t>
+            </a:r>
+            <a:r>
+              <a:rPr lang="en-US" altLang="ko-KR" dirty="0" smtClean="0"/>
+              <a:t>up) </a:t>
+            </a:r>
+            <a:br>
+              <a:rPr lang="en-US" altLang="ko-KR" dirty="0" smtClean="0"/>
+            </a:br>
+            <a:r>
+              <a:rPr lang="ko-KR" altLang="en-US" dirty="0" smtClean="0"/>
+              <a:t>현재 제일 안정적인 버전이다</a:t>
+            </a:r>
+            <a:r>
+              <a:rPr lang="en-US" altLang="ko-KR" dirty="0" smtClean="0"/>
+              <a:t>.</a:t>
+            </a:r>
+            <a:endParaRPr lang="en-US" altLang="ko-KR" dirty="0"/>
+          </a:p>
+          <a:p>
+            <a:r>
+              <a:rPr lang="en-US" altLang="ko-KR" dirty="0" smtClean="0"/>
               <a:t>Java </a:t>
             </a:r>
             <a:r>
@@ -6156,11 +6180,7 @@
             </a:br>
             <a:r>
               <a:rPr lang="en-US" altLang="ko-KR" dirty="0" smtClean="0"/>
-              <a:t>- </a:t>
-            </a:r>
-            <a:r>
-              <a:rPr lang="en-US" altLang="ko-KR" dirty="0" smtClean="0"/>
-              <a:t>version : 1.18.26</a:t>
+              <a:t>- version : 1.18.26</a:t>
             </a:r>
             <a:r>
               <a:rPr lang="ko-KR" altLang="en-US" dirty="0" smtClean="0"/>
@@ -8630,11 +8650,7 @@
             </a:r>
             <a:r>
               <a:rPr lang="ko-KR" altLang="en-US" b="1" dirty="0" smtClean="0"/>
-              <a:t>스타일 환경 개발 </a:t>
-            </a:r>
-            <a:r>
-              <a:rPr lang="ko-KR" altLang="en-US" b="1" dirty="0" smtClean="0"/>
-              <a:t>지원</a:t>
+              <a:t>스타일 환경 개발 지원</a:t>
             </a:r>
             <a:endParaRPr lang="en-US" altLang="ko-KR" b="1" dirty="0" smtClean="0"/>
           </a:p>
@@ -8778,11 +8794,7 @@
             </a:r>
             <a:r>
               <a:rPr lang="ko-KR" altLang="en-US" dirty="0" smtClean="0"/>
-              <a:t>기반의 </a:t>
-            </a:r>
-            <a:r>
-              <a:rPr lang="ko-KR" altLang="en-US" dirty="0" smtClean="0"/>
-              <a:t>구성</a:t>
+              <a:t>기반의 구성</a:t>
             </a:r>
             <a:endParaRPr lang="en-US" altLang="ko-KR" dirty="0" smtClean="0"/>
           </a:p>
@@ -10380,12 +10392,24 @@
                         </a:spcAft>
                       </a:pPr>
                       <a:r>
-                        <a:rPr lang="en-US" sz="1050">
+                        <a:rPr lang="en-US" sz="1050" dirty="0">
                           <a:effectLst/>
                         </a:rPr>
-                        <a:t>package org.zerock.sample;</a:t>
+                        <a:t>package </a:t>
                       </a:r>
-                      <a:endParaRPr lang="ko-KR" sz="1050">
+                      <a:r>
+                        <a:rPr lang="en-US" sz="1050" dirty="0" err="1">
+                          <a:effectLst/>
+                        </a:rPr>
+                        <a:t>org.zerock.sample</a:t>
+                      </a:r>
+                      <a:r>
+                        <a:rPr lang="en-US" sz="1050" dirty="0">
+                          <a:effectLst/>
+                        </a:rPr>
+                        <a:t>;</a:t>
+                      </a:r>
+                      <a:endParaRPr lang="ko-KR" sz="1050" dirty="0">
                         <a:effectLst/>
                       </a:endParaRPr>
                     </a:p>
@@ -10399,12 +10423,12 @@
                         </a:spcAft>
                       </a:pPr>
                       <a:r>
-                        <a:rPr lang="en-US" sz="1050">
+                        <a:rPr lang="en-US" sz="1050" dirty="0">
                           <a:effectLst/>
                         </a:rPr>
                         <a:t> </a:t>
                       </a:r>
-                      <a:endParaRPr lang="ko-KR" sz="1050">
+                      <a:endParaRPr lang="ko-KR" sz="1050" dirty="0">
                         <a:effectLst/>
                       </a:endParaRPr>
                     </a:p>
@@ -10418,12 +10442,24 @@
                         </a:spcAft>
                       </a:pPr>
                       <a:r>
-                        <a:rPr lang="en-US" sz="1050">
+                        <a:rPr lang="en-US" sz="1050" dirty="0">
                           <a:effectLst/>
                         </a:rPr>
-                        <a:t>import org.springframework.beans.factory.annotation.Autowired;</a:t>
+                        <a:t>import </a:t>
                       </a:r>
-                      <a:endParaRPr lang="ko-KR" sz="1050">
+                      <a:r>
+                        <a:rPr lang="en-US" sz="1050" dirty="0" err="1">
+                          <a:effectLst/>
+                        </a:rPr>
+                        <a:t>org.springframework.beans.factory.annotation.Autowired</a:t>
+                      </a:r>
+                      <a:r>
+                        <a:rPr lang="en-US" sz="1050" dirty="0">
+                          <a:effectLst/>
+                        </a:rPr>
+                        <a:t>;</a:t>
+                      </a:r>
+                      <a:endParaRPr lang="ko-KR" sz="1050" dirty="0">
                         <a:effectLst/>
                       </a:endParaRPr>
                     </a:p>
@@ -10437,12 +10473,24 @@
                         </a:spcAft>
                       </a:pPr>
                       <a:r>
-                        <a:rPr lang="en-US" sz="1050">
+                        <a:rPr lang="en-US" sz="1050" dirty="0">
                           <a:effectLst/>
                         </a:rPr>
-                        <a:t>import org.springframework.stereotype.Component;</a:t>
+                        <a:t>import </a:t>
                       </a:r>
-                      <a:endParaRPr lang="ko-KR" sz="1050">
+                      <a:r>
+                        <a:rPr lang="en-US" sz="1050" dirty="0" err="1">
+                          <a:effectLst/>
+                        </a:rPr>
+                        <a:t>org.springframework.stereotype.Component</a:t>
+                      </a:r>
+                      <a:r>
+                        <a:rPr lang="en-US" sz="1050" dirty="0">
+                          <a:effectLst/>
+                        </a:rPr>
+                        <a:t>;</a:t>
+                      </a:r>
+                      <a:endParaRPr lang="ko-KR" sz="1050" dirty="0">
                         <a:effectLst/>
                       </a:endParaRPr>
                     </a:p>
@@ -10456,12 +10504,12 @@
                         </a:spcAft>
                       </a:pPr>
                       <a:r>
-                        <a:rPr lang="en-US" sz="1050">
+                        <a:rPr lang="en-US" sz="1050" dirty="0">
                           <a:effectLst/>
                         </a:rPr>
                         <a:t> </a:t>
                       </a:r>
-                      <a:endParaRPr lang="ko-KR" sz="1050">
+                      <a:endParaRPr lang="ko-KR" sz="1050" dirty="0">
                         <a:effectLst/>
                       </a:endParaRPr>
                     </a:p>
@@ -10475,12 +10523,24 @@
                         </a:spcAft>
                       </a:pPr>
                       <a:r>
-                        <a:rPr lang="en-US" sz="1050">
+                        <a:rPr lang="en-US" sz="1050" dirty="0">
                           <a:effectLst/>
                         </a:rPr>
-                        <a:t>import lombok.Data;</a:t>
+                        <a:t>import </a:t>
                       </a:r>
-                      <a:endParaRPr lang="ko-KR" sz="1050">
+                      <a:r>
+                        <a:rPr lang="en-US" sz="1050" dirty="0" err="1">
+                          <a:effectLst/>
+                        </a:rPr>
+                        <a:t>lombok.Data</a:t>
+                      </a:r>
+                      <a:r>
+                        <a:rPr lang="en-US" sz="1050" dirty="0">
+                          <a:effectLst/>
+                        </a:rPr>
+                        <a:t>;</a:t>
+                      </a:r>
+                      <a:endParaRPr lang="ko-KR" sz="1050" dirty="0">
                         <a:effectLst/>
                       </a:endParaRPr>
                     </a:p>
@@ -10494,12 +10554,24 @@
                         </a:spcAft>
                       </a:pPr>
                       <a:r>
-                        <a:rPr lang="en-US" sz="1050">
+                        <a:rPr lang="en-US" sz="1050" dirty="0">
                           <a:effectLst/>
                         </a:rPr>
-                        <a:t>import lombok.Setter;</a:t>
+                        <a:t>import </a:t>
                       </a:r>
-                      <a:endParaRPr lang="ko-KR" sz="1050">
+                      <a:r>
+                        <a:rPr lang="en-US" sz="1050" dirty="0" err="1">
+                          <a:effectLst/>
+                        </a:rPr>
+                        <a:t>lombok.Setter</a:t>
+                      </a:r>
+                      <a:r>
+                        <a:rPr lang="en-US" sz="1050" dirty="0">
+                          <a:effectLst/>
+                        </a:rPr>
+                        <a:t>;</a:t>
+                      </a:r>
+                      <a:endParaRPr lang="ko-KR" sz="1050" dirty="0">
                         <a:effectLst/>
                       </a:endParaRPr>
                     </a:p>
@@ -10513,12 +10585,12 @@
                         </a:spcAft>
                       </a:pPr>
                       <a:r>
-                        <a:rPr lang="en-US" sz="1050">
+                        <a:rPr lang="en-US" sz="1050" dirty="0">
                           <a:effectLst/>
                         </a:rPr>
                         <a:t> </a:t>
                       </a:r>
-                      <a:endParaRPr lang="ko-KR" sz="1050">
+                      <a:endParaRPr lang="ko-KR" sz="1050" dirty="0">
                         <a:effectLst/>
                       </a:endParaRPr>
                     </a:p>
@@ -10532,12 +10604,12 @@
                         </a:spcAft>
                       </a:pPr>
                       <a:r>
-                        <a:rPr lang="en-US" sz="1050">
+                        <a:rPr lang="en-US" sz="1050" dirty="0">
                           <a:effectLst/>
                         </a:rPr>
                         <a:t>@Component</a:t>
                       </a:r>
-                      <a:endParaRPr lang="ko-KR" sz="1050">
+                      <a:endParaRPr lang="ko-KR" sz="1050" dirty="0">
                         <a:effectLst/>
                       </a:endParaRPr>
                     </a:p>
@@ -10551,12 +10623,12 @@
                         </a:spcAft>
                       </a:pPr>
                       <a:r>
-                        <a:rPr lang="en-US" sz="1050">
+                        <a:rPr lang="en-US" sz="1050" dirty="0">
                           <a:effectLst/>
                         </a:rPr>
                         <a:t>@Data</a:t>
                       </a:r>
-                      <a:endParaRPr lang="ko-KR" sz="1050">
+                      <a:endParaRPr lang="ko-KR" sz="1050" dirty="0">
                         <a:effectLst/>
                       </a:endParaRPr>
                     </a:p>
@@ -10570,12 +10642,12 @@
                         </a:spcAft>
                       </a:pPr>
                       <a:r>
-                        <a:rPr lang="en-US" sz="1050">
+                        <a:rPr lang="en-US" sz="1050" dirty="0">
                           <a:effectLst/>
                         </a:rPr>
                         <a:t>public class Restaurant {</a:t>
                       </a:r>
-                      <a:endParaRPr lang="ko-KR" sz="1050">
+                      <a:endParaRPr lang="ko-KR" sz="1050" dirty="0">
                         <a:effectLst/>
                       </a:endParaRPr>
                     </a:p>
@@ -10589,12 +10661,12 @@
                         </a:spcAft>
                       </a:pPr>
                       <a:r>
-                        <a:rPr lang="en-US" sz="1050">
+                        <a:rPr lang="en-US" sz="1050" dirty="0">
                           <a:effectLst/>
                         </a:rPr>
                         <a:t> </a:t>
                       </a:r>
-                      <a:endParaRPr lang="ko-KR" sz="1050">
+                      <a:endParaRPr lang="ko-KR" sz="1050" dirty="0">
                         <a:effectLst/>
                       </a:endParaRPr>
                     </a:p>
@@ -10608,12 +10680,36 @@
                         </a:spcAft>
                       </a:pPr>
                       <a:r>
-                        <a:rPr lang="en-US" sz="1050">
+                        <a:rPr lang="en-US" sz="1050" dirty="0">
                           <a:effectLst/>
                         </a:rPr>
-                        <a:t> @Setter(onMethod_ = @Autowired)</a:t>
+                        <a:t> @Setter(</a:t>
                       </a:r>
-                      <a:endParaRPr lang="ko-KR" sz="1050">
+                      <a:r>
+                        <a:rPr lang="en-US" sz="1050" dirty="0" err="1">
+                          <a:effectLst/>
+                        </a:rPr>
+                        <a:t>onMethod</a:t>
+                      </a:r>
+                      <a:r>
+                        <a:rPr lang="en-US" sz="1050" dirty="0">
+                          <a:effectLst/>
+                        </a:rPr>
+                        <a:t>_ = @</a:t>
+                      </a:r>
+                      <a:r>
+                        <a:rPr lang="en-US" sz="1050" dirty="0" err="1">
+                          <a:effectLst/>
+                        </a:rPr>
+                        <a:t>Autowired</a:t>
+                      </a:r>
+                      <a:r>
+                        <a:rPr lang="en-US" sz="1050" dirty="0">
+                          <a:effectLst/>
+                        </a:rPr>
+                        <a:t>)</a:t>
+                      </a:r>
+                      <a:endParaRPr lang="ko-KR" sz="1050" dirty="0">
                         <a:effectLst/>
                       </a:endParaRPr>
                     </a:p>
@@ -10627,12 +10723,24 @@
                         </a:spcAft>
                       </a:pPr>
                       <a:r>
-                        <a:rPr lang="en-US" sz="1050">
+                        <a:rPr lang="en-US" sz="1050" dirty="0">
                           <a:effectLst/>
                         </a:rPr>
-                        <a:t> private Chef chef;</a:t>
+                        <a:t> private Chef </a:t>
                       </a:r>
-                      <a:endParaRPr lang="ko-KR" sz="1050">
+                      <a:r>
+                        <a:rPr lang="en-US" sz="1050" dirty="0" err="1">
+                          <a:effectLst/>
+                        </a:rPr>
+                        <a:t>chef</a:t>
+                      </a:r>
+                      <a:r>
+                        <a:rPr lang="en-US" sz="1050" dirty="0">
+                          <a:effectLst/>
+                        </a:rPr>
+                        <a:t>;</a:t>
+                      </a:r>
+                      <a:endParaRPr lang="ko-KR" sz="1050" dirty="0">
                         <a:effectLst/>
                       </a:endParaRPr>
                     </a:p>
@@ -10646,12 +10754,12 @@
                         </a:spcAft>
                       </a:pPr>
                       <a:r>
-                        <a:rPr lang="en-US" sz="1050">
+                        <a:rPr lang="en-US" sz="1050" dirty="0">
                           <a:effectLst/>
                         </a:rPr>
                         <a:t> </a:t>
                       </a:r>
-                      <a:endParaRPr lang="ko-KR" sz="1050">
+                      <a:endParaRPr lang="ko-KR" sz="1050" dirty="0">
                         <a:effectLst/>
                       </a:endParaRPr>
                     </a:p>
@@ -10665,12 +10773,12 @@
                         </a:spcAft>
                       </a:pPr>
                       <a:r>
-                        <a:rPr lang="en-US" sz="1050">
+                        <a:rPr lang="en-US" sz="1050" dirty="0">
                           <a:effectLst/>
                         </a:rPr>
                         <a:t>}</a:t>
                       </a:r>
-                      <a:endParaRPr lang="ko-KR" sz="1050">
+                      <a:endParaRPr lang="ko-KR" sz="1050" dirty="0">
                         <a:effectLst/>
                       </a:endParaRPr>
                     </a:p>
@@ -10684,12 +10792,12 @@
                         </a:spcAft>
                       </a:pPr>
                       <a:r>
-                        <a:rPr lang="en-US" sz="1050">
+                        <a:rPr lang="en-US" sz="1050" dirty="0">
                           <a:effectLst/>
                         </a:rPr>
                         <a:t> </a:t>
                       </a:r>
-                      <a:endParaRPr lang="ko-KR" sz="1050">
+                      <a:endParaRPr lang="ko-KR" sz="1050" dirty="0">
                         <a:effectLst/>
                         <a:latin typeface="나눔고딕코딩"/>
                         <a:ea typeface="맑은 고딕" panose="020B0503020000020004" pitchFamily="50" charset="-127"/>

--- a/spring - 학습자료/PART1.pptx
+++ b/spring - 학습자료/PART1.pptx
@@ -1596,7 +1596,7 @@
           <a:p>
             <a:fld id="{34F19EB9-08EE-4231-8ACF-560992D1D5B5}" type="datetimeFigureOut">
               <a:rPr lang="ko-KR" altLang="en-US" smtClean="0"/>
-              <a:t>2023-04-13</a:t>
+              <a:t>2023-04-14</a:t>
             </a:fld>
             <a:endParaRPr lang="ko-KR" altLang="en-US"/>
           </a:p>
@@ -2095,7 +2095,7 @@
           <a:p>
             <a:fld id="{48A87A34-81AB-432B-8DAE-1953F412C126}" type="datetimeFigureOut">
               <a:rPr lang="en-US" smtClean="0"/>
-              <a:t>4/13/2023</a:t>
+              <a:t>4/14/2023</a:t>
             </a:fld>
             <a:endParaRPr lang="en-US"/>
           </a:p>
@@ -2293,7 +2293,7 @@
           <a:p>
             <a:fld id="{48A87A34-81AB-432B-8DAE-1953F412C126}" type="datetimeFigureOut">
               <a:rPr lang="en-US" smtClean="0"/>
-              <a:t>4/13/2023</a:t>
+              <a:t>4/14/2023</a:t>
             </a:fld>
             <a:endParaRPr lang="en-US"/>
           </a:p>
@@ -2501,7 +2501,7 @@
           <a:p>
             <a:fld id="{48A87A34-81AB-432B-8DAE-1953F412C126}" type="datetimeFigureOut">
               <a:rPr lang="en-US" smtClean="0"/>
-              <a:t>4/13/2023</a:t>
+              <a:t>4/14/2023</a:t>
             </a:fld>
             <a:endParaRPr lang="en-US"/>
           </a:p>
@@ -2709,7 +2709,7 @@
           <a:p>
             <a:fld id="{48A87A34-81AB-432B-8DAE-1953F412C126}" type="datetimeFigureOut">
               <a:rPr lang="en-US" smtClean="0"/>
-              <a:t>4/13/2023</a:t>
+              <a:t>4/14/2023</a:t>
             </a:fld>
             <a:endParaRPr lang="en-US"/>
           </a:p>
@@ -2984,7 +2984,7 @@
           <a:p>
             <a:fld id="{48A87A34-81AB-432B-8DAE-1953F412C126}" type="datetimeFigureOut">
               <a:rPr lang="en-US" smtClean="0"/>
-              <a:t>4/13/2023</a:t>
+              <a:t>4/14/2023</a:t>
             </a:fld>
             <a:endParaRPr lang="en-US"/>
           </a:p>
@@ -3250,7 +3250,7 @@
             <a:fld id="{48A87A34-81AB-432B-8DAE-1953F412C126}" type="datetimeFigureOut">
               <a:rPr lang="en-US" smtClean="0"/>
               <a:pPr/>
-              <a:t>4/13/2023</a:t>
+              <a:t>4/14/2023</a:t>
             </a:fld>
             <a:endParaRPr lang="en-US"/>
           </a:p>
@@ -3663,7 +3663,7 @@
           <a:p>
             <a:fld id="{48A87A34-81AB-432B-8DAE-1953F412C126}" type="datetimeFigureOut">
               <a:rPr lang="en-US" smtClean="0"/>
-              <a:t>4/13/2023</a:t>
+              <a:t>4/14/2023</a:t>
             </a:fld>
             <a:endParaRPr lang="en-US"/>
           </a:p>
@@ -3804,7 +3804,7 @@
           <a:p>
             <a:fld id="{48A87A34-81AB-432B-8DAE-1953F412C126}" type="datetimeFigureOut">
               <a:rPr lang="en-US" smtClean="0"/>
-              <a:t>4/13/2023</a:t>
+              <a:t>4/14/2023</a:t>
             </a:fld>
             <a:endParaRPr lang="en-US"/>
           </a:p>
@@ -3917,7 +3917,7 @@
           <a:p>
             <a:fld id="{48A87A34-81AB-432B-8DAE-1953F412C126}" type="datetimeFigureOut">
               <a:rPr lang="en-US" smtClean="0"/>
-              <a:t>4/13/2023</a:t>
+              <a:t>4/14/2023</a:t>
             </a:fld>
             <a:endParaRPr lang="en-US"/>
           </a:p>
@@ -4228,7 +4228,7 @@
           <a:p>
             <a:fld id="{48A87A34-81AB-432B-8DAE-1953F412C126}" type="datetimeFigureOut">
               <a:rPr lang="en-US" smtClean="0"/>
-              <a:t>4/13/2023</a:t>
+              <a:t>4/14/2023</a:t>
             </a:fld>
             <a:endParaRPr lang="en-US"/>
           </a:p>
@@ -4517,7 +4517,7 @@
             <a:fld id="{48A87A34-81AB-432B-8DAE-1953F412C126}" type="datetimeFigureOut">
               <a:rPr lang="en-US" smtClean="0"/>
               <a:pPr/>
-              <a:t>4/13/2023</a:t>
+              <a:t>4/14/2023</a:t>
             </a:fld>
             <a:endParaRPr lang="en-US"/>
           </a:p>
@@ -4760,7 +4760,7 @@
             <a:fld id="{48A87A34-81AB-432B-8DAE-1953F412C126}" type="datetimeFigureOut">
               <a:rPr lang="en-US" smtClean="0"/>
               <a:pPr/>
-              <a:t>4/13/2023</a:t>
+              <a:t>4/14/2023</a:t>
             </a:fld>
             <a:endParaRPr lang="en-US"/>
           </a:p>
@@ -9988,7 +9988,7 @@
         </p:nvGraphicFramePr>
         <p:xfrm>
           <a:off x="459460" y="235699"/>
-          <a:ext cx="5725160" cy="2609977"/>
+          <a:ext cx="5725160" cy="2562099"/>
         </p:xfrm>
         <a:graphic>
           <a:graphicData uri="http://schemas.openxmlformats.org/drawingml/2006/table">
@@ -10318,7 +10318,7 @@
         </p:nvGraphicFramePr>
         <p:xfrm>
           <a:off x="459460" y="2921675"/>
-          <a:ext cx="5725160" cy="3600450"/>
+          <a:ext cx="5725160" cy="3558668"/>
         </p:xfrm>
         <a:graphic>
           <a:graphicData uri="http://schemas.openxmlformats.org/drawingml/2006/table">
@@ -11436,7 +11436,12 @@
             <p:ph type="title"/>
           </p:nvPr>
         </p:nvSpPr>
-        <p:spPr/>
+        <p:spPr>
+          <a:xfrm>
+            <a:off x="628650" y="365127"/>
+            <a:ext cx="7886700" cy="777874"/>
+          </a:xfrm>
+        </p:spPr>
         <p:txBody>
           <a:bodyPr/>
           <a:lstStyle/>
@@ -14604,27 +14609,27 @@
           <a:lstStyle/>
           <a:p>
             <a:r>
-              <a:rPr lang="en-US" altLang="ko-KR"/>
+              <a:rPr lang="en-US" altLang="ko-KR" dirty="0"/>
               <a:t>3</a:t>
             </a:r>
             <a:r>
-              <a:rPr lang="ko-KR" altLang="en-US"/>
+              <a:rPr lang="ko-KR" altLang="en-US" dirty="0"/>
               <a:t>장</a:t>
             </a:r>
             <a:r>
-              <a:rPr lang="en-US" altLang="ko-KR"/>
+              <a:rPr lang="en-US" altLang="ko-KR" dirty="0"/>
               <a:t>. </a:t>
             </a:r>
             <a:r>
-              <a:rPr lang="ko-KR" altLang="en-US"/>
+              <a:rPr lang="ko-KR" altLang="en-US" dirty="0"/>
               <a:t>스프링과 </a:t>
             </a:r>
             <a:r>
-              <a:rPr lang="en-US" altLang="ko-KR"/>
+              <a:rPr lang="en-US" altLang="ko-KR" dirty="0"/>
               <a:t>Oracle Database </a:t>
             </a:r>
             <a:r>
-              <a:rPr lang="ko-KR" altLang="en-US"/>
+              <a:rPr lang="ko-KR" altLang="en-US" dirty="0"/>
               <a:t>연동 </a:t>
             </a:r>
           </a:p>
@@ -16686,7 +16691,23 @@
           <a:p>
             <a:r>
               <a:rPr lang="ko-KR" altLang="en-US" dirty="0" smtClean="0"/>
-              <a:t>커넥션 풀 설정</a:t>
+              <a:t>커넥션 </a:t>
+            </a:r>
+            <a:r>
+              <a:rPr lang="ko-KR" altLang="en-US" dirty="0" smtClean="0"/>
+              <a:t>풀</a:t>
+            </a:r>
+            <a:r>
+              <a:rPr lang="en-US" altLang="ko-KR" dirty="0" smtClean="0"/>
+              <a:t>(DBCP)</a:t>
+            </a:r>
+            <a:r>
+              <a:rPr lang="ko-KR" altLang="en-US" dirty="0" smtClean="0"/>
+              <a:t> </a:t>
+            </a:r>
+            <a:r>
+              <a:rPr lang="ko-KR" altLang="en-US" dirty="0" smtClean="0"/>
+              <a:t>설정</a:t>
             </a:r>
             <a:r>
               <a:rPr lang="en-US" altLang="ko-KR" dirty="0" smtClean="0"/>
@@ -17903,47 +17924,118 @@
           <a:lstStyle/>
           <a:p>
             <a:r>
-              <a:rPr lang="en-US" altLang="ko-KR"/>
+              <a:rPr lang="en-US" altLang="ko-KR" dirty="0" err="1" smtClean="0"/>
               <a:t>MyBatis</a:t>
             </a:r>
             <a:r>
-              <a:rPr lang="ko-KR" altLang="en-US"/>
-              <a:t> 세팅 </a:t>
-            </a:r>
-            <a:endParaRPr lang="en-US" altLang="ko-KR"/>
-          </a:p>
-          <a:p>
-            <a:r>
-              <a:rPr lang="en-US" altLang="ko-KR"/>
-              <a:t>spring-mybatis </a:t>
-            </a:r>
-            <a:r>
-              <a:rPr lang="ko-KR" altLang="en-US"/>
-              <a:t>라이브러리 설정 </a:t>
-            </a:r>
-            <a:endParaRPr lang="en-US" altLang="ko-KR"/>
-          </a:p>
-          <a:p>
-            <a:r>
-              <a:rPr lang="en-US" altLang="ko-KR"/>
+              <a:rPr lang="en-US" altLang="ko-KR" dirty="0" smtClean="0"/>
+              <a:t>(</a:t>
+            </a:r>
+            <a:r>
+              <a:rPr lang="ko-KR" altLang="en-US" dirty="0" smtClean="0"/>
+              <a:t>원시적 라이브러리</a:t>
+            </a:r>
+            <a:r>
+              <a:rPr lang="en-US" altLang="ko-KR" dirty="0" smtClean="0"/>
+              <a:t>, </a:t>
+            </a:r>
+            <a:r>
+              <a:rPr lang="ko-KR" altLang="en-US" dirty="0" smtClean="0"/>
+              <a:t>어디에서나 사용가능</a:t>
+            </a:r>
+            <a:r>
+              <a:rPr lang="en-US" altLang="ko-KR" dirty="0" smtClean="0"/>
+              <a:t>(</a:t>
+            </a:r>
+            <a:r>
+              <a:rPr lang="ko-KR" altLang="en-US" dirty="0" smtClean="0"/>
+              <a:t>범용</a:t>
+            </a:r>
+            <a:r>
+              <a:rPr lang="en-US" altLang="ko-KR" dirty="0" smtClean="0"/>
+              <a:t>))</a:t>
+            </a:r>
+            <a:r>
+              <a:rPr lang="ko-KR" altLang="en-US" dirty="0" smtClean="0"/>
+              <a:t> 세팅</a:t>
+            </a:r>
+            <a:endParaRPr lang="en-US" altLang="ko-KR" dirty="0"/>
+          </a:p>
+          <a:p>
+            <a:r>
+              <a:rPr lang="en-US" altLang="ko-KR" dirty="0"/>
+              <a:t>spring-</a:t>
+            </a:r>
+            <a:r>
+              <a:rPr lang="en-US" altLang="ko-KR" dirty="0" err="1"/>
+              <a:t>mybatis</a:t>
+            </a:r>
+            <a:r>
+              <a:rPr lang="en-US" altLang="ko-KR" dirty="0"/>
+              <a:t> </a:t>
+            </a:r>
+            <a:r>
+              <a:rPr lang="ko-KR" altLang="en-US" dirty="0"/>
+              <a:t>라이브러리 </a:t>
+            </a:r>
+            <a:r>
+              <a:rPr lang="ko-KR" altLang="en-US" dirty="0" smtClean="0"/>
+              <a:t>설정</a:t>
+            </a:r>
+            <a:r>
+              <a:rPr lang="en-US" altLang="ko-KR" dirty="0" smtClean="0"/>
+              <a:t/>
+            </a:r>
+            <a:br>
+              <a:rPr lang="en-US" altLang="ko-KR" dirty="0" smtClean="0"/>
+            </a:br>
+            <a:r>
+              <a:rPr lang="en-US" altLang="ko-KR" dirty="0" smtClean="0"/>
+              <a:t>(</a:t>
+            </a:r>
+            <a:r>
+              <a:rPr lang="ko-KR" altLang="en-US" dirty="0" smtClean="0"/>
+              <a:t>스프링에서 </a:t>
+            </a:r>
+            <a:r>
+              <a:rPr lang="en-US" altLang="ko-KR" dirty="0" err="1" smtClean="0"/>
+              <a:t>mybatis</a:t>
+            </a:r>
+            <a:r>
+              <a:rPr lang="ko-KR" altLang="en-US" dirty="0" smtClean="0"/>
+              <a:t>를 활용하기 쉽게 하는 라이브러리</a:t>
+            </a:r>
+            <a:r>
+              <a:rPr lang="en-US" altLang="ko-KR" dirty="0" smtClean="0"/>
+              <a:t>)</a:t>
+            </a:r>
+            <a:r>
+              <a:rPr lang="ko-KR" altLang="en-US" dirty="0" smtClean="0"/>
+              <a:t> </a:t>
+            </a:r>
+            <a:endParaRPr lang="en-US" altLang="ko-KR" dirty="0"/>
+          </a:p>
+          <a:p>
+            <a:r>
+              <a:rPr lang="en-US" altLang="ko-KR" dirty="0"/>
               <a:t>XML Mapper</a:t>
             </a:r>
             <a:r>
-              <a:rPr lang="ko-KR" altLang="en-US"/>
+              <a:rPr lang="ko-KR" altLang="en-US" dirty="0"/>
               <a:t> 파일 </a:t>
             </a:r>
-            <a:endParaRPr lang="en-US" altLang="ko-KR"/>
-          </a:p>
-          <a:p>
-            <a:r>
-              <a:rPr lang="en-US" altLang="ko-KR"/>
+            <a:endParaRPr lang="en-US" altLang="ko-KR" dirty="0"/>
+          </a:p>
+          <a:p>
+            <a:r>
+              <a:rPr lang="en-US" altLang="ko-KR" dirty="0"/>
               <a:t>Mapper </a:t>
             </a:r>
             <a:r>
-              <a:rPr lang="ko-KR" altLang="en-US"/>
+              <a:rPr lang="ko-KR" altLang="en-US" dirty="0"/>
               <a:t>인터페이스 설정 확인 </a:t>
             </a:r>
-            <a:endParaRPr lang="en-US" altLang="ko-KR"/>
+            <a:endParaRPr lang="en-US" altLang="ko-KR" dirty="0"/>
           </a:p>
         </p:txBody>
       </p:sp>
@@ -18317,7 +18409,7 @@
             </a:br>
             <a:r>
               <a:rPr lang="en-US" altLang="ko-KR" dirty="0" smtClean="0"/>
-              <a:t>  </a:t>
+              <a:t> </a:t>
             </a:r>
             <a:r>
               <a:rPr lang="en-US" altLang="ko-KR" dirty="0" err="1" smtClean="0"/>
@@ -18336,7 +18428,15 @@
             </a:br>
             <a:r>
               <a:rPr lang="en-US" altLang="ko-KR" dirty="0" smtClean="0"/>
-              <a:t>      -- &gt; </a:t>
+              <a:t>     </a:t>
+            </a:r>
+            <a:r>
+              <a:rPr lang="en-US" altLang="ko-KR" dirty="0" smtClean="0"/>
+              <a:t>-- </a:t>
+            </a:r>
+            <a:r>
+              <a:rPr lang="en-US" altLang="ko-KR" dirty="0" smtClean="0"/>
+              <a:t>&gt; </a:t>
             </a:r>
             <a:r>
               <a:rPr lang="ko-KR" altLang="en-US" dirty="0" smtClean="0"/>
@@ -18674,89 +18774,181 @@
           <a:lstStyle/>
           <a:p>
             <a:r>
-              <a:rPr lang="en-US" altLang="ko-KR" sz="1400"/>
+              <a:rPr lang="en-US" altLang="ko-KR" sz="1400" dirty="0"/>
               <a:t>&lt;!-- https://mvnrepository.com/artifact/org.mybatis/mybatis --&gt;</a:t>
             </a:r>
           </a:p>
           <a:p>
             <a:r>
-              <a:rPr lang="en-US" altLang="ko-KR" sz="1400"/>
+              <a:rPr lang="en-US" altLang="ko-KR" sz="1400" dirty="0"/>
               <a:t>&lt;dependency&gt;</a:t>
             </a:r>
           </a:p>
           <a:p>
             <a:r>
-              <a:rPr lang="en-US" altLang="ko-KR" sz="1400"/>
-              <a:t>&lt;groupId&gt;org.mybatis&lt;/groupId&gt;</a:t>
-            </a:r>
-          </a:p>
-          <a:p>
-            <a:r>
-              <a:rPr lang="en-US" altLang="ko-KR" sz="1400"/>
-              <a:t>&lt;artifactId&gt;mybatis&lt;/artifactId&gt;</a:t>
-            </a:r>
-          </a:p>
-          <a:p>
-            <a:r>
-              <a:rPr lang="en-US" altLang="ko-KR" sz="1400"/>
+              <a:rPr lang="en-US" altLang="ko-KR" sz="1400" dirty="0"/>
+              <a:t>&lt;</a:t>
+            </a:r>
+            <a:r>
+              <a:rPr lang="en-US" altLang="ko-KR" sz="1400" dirty="0" err="1"/>
+              <a:t>groupId</a:t>
+            </a:r>
+            <a:r>
+              <a:rPr lang="en-US" altLang="ko-KR" sz="1400" dirty="0"/>
+              <a:t>&gt;</a:t>
+            </a:r>
+            <a:r>
+              <a:rPr lang="en-US" altLang="ko-KR" sz="1400" dirty="0" err="1"/>
+              <a:t>org.mybatis</a:t>
+            </a:r>
+            <a:r>
+              <a:rPr lang="en-US" altLang="ko-KR" sz="1400" dirty="0"/>
+              <a:t>&lt;/</a:t>
+            </a:r>
+            <a:r>
+              <a:rPr lang="en-US" altLang="ko-KR" sz="1400" dirty="0" err="1"/>
+              <a:t>groupId</a:t>
+            </a:r>
+            <a:r>
+              <a:rPr lang="en-US" altLang="ko-KR" sz="1400" dirty="0"/>
+              <a:t>&gt;</a:t>
+            </a:r>
+          </a:p>
+          <a:p>
+            <a:r>
+              <a:rPr lang="en-US" altLang="ko-KR" sz="1400" dirty="0"/>
+              <a:t>&lt;</a:t>
+            </a:r>
+            <a:r>
+              <a:rPr lang="en-US" altLang="ko-KR" sz="1400" dirty="0" err="1"/>
+              <a:t>artifactId</a:t>
+            </a:r>
+            <a:r>
+              <a:rPr lang="en-US" altLang="ko-KR" sz="1400" dirty="0"/>
+              <a:t>&gt;</a:t>
+            </a:r>
+            <a:r>
+              <a:rPr lang="en-US" altLang="ko-KR" sz="1400" dirty="0" err="1"/>
+              <a:t>mybatis</a:t>
+            </a:r>
+            <a:r>
+              <a:rPr lang="en-US" altLang="ko-KR" sz="1400" dirty="0"/>
+              <a:t>&lt;/</a:t>
+            </a:r>
+            <a:r>
+              <a:rPr lang="en-US" altLang="ko-KR" sz="1400" dirty="0" err="1"/>
+              <a:t>artifactId</a:t>
+            </a:r>
+            <a:r>
+              <a:rPr lang="en-US" altLang="ko-KR" sz="1400" dirty="0"/>
+              <a:t>&gt;</a:t>
+            </a:r>
+          </a:p>
+          <a:p>
+            <a:r>
+              <a:rPr lang="en-US" altLang="ko-KR" sz="1400" dirty="0"/>
               <a:t>&lt;version&gt;3.4.6&lt;/version&gt;</a:t>
             </a:r>
           </a:p>
           <a:p>
             <a:r>
-              <a:rPr lang="en-US" altLang="ko-KR" sz="1400"/>
+              <a:rPr lang="en-US" altLang="ko-KR" sz="1400" dirty="0"/>
               <a:t>&lt;/dependency&gt;</a:t>
             </a:r>
           </a:p>
           <a:p>
-            <a:endParaRPr lang="ko-KR" altLang="en-US" sz="1400"/>
-          </a:p>
-          <a:p>
-            <a:r>
-              <a:rPr lang="en-US" altLang="ko-KR" sz="1400"/>
+            <a:endParaRPr lang="ko-KR" altLang="en-US" sz="1400" dirty="0"/>
+          </a:p>
+          <a:p>
+            <a:r>
+              <a:rPr lang="en-US" altLang="ko-KR" sz="1400" dirty="0"/>
               <a:t>&lt;!-- https://mvnrepository.com/artifact/org.mybatis/mybatis-spring --&gt;</a:t>
             </a:r>
           </a:p>
           <a:p>
             <a:r>
-              <a:rPr lang="en-US" altLang="ko-KR" sz="1400"/>
+              <a:rPr lang="en-US" altLang="ko-KR" sz="1400" dirty="0"/>
               <a:t>&lt;dependency&gt;</a:t>
             </a:r>
           </a:p>
           <a:p>
             <a:r>
-              <a:rPr lang="en-US" altLang="ko-KR" sz="1400"/>
-              <a:t>&lt;groupId&gt;</a:t>
-            </a:r>
-            <a:r>
-              <a:rPr lang="en-US" altLang="ko-KR" sz="1600"/>
+              <a:rPr lang="en-US" altLang="ko-KR" sz="1400" dirty="0"/>
+              <a:t>&lt;</a:t>
+            </a:r>
+            <a:r>
+              <a:rPr lang="en-US" altLang="ko-KR" sz="1400" dirty="0" err="1"/>
+              <a:t>groupId</a:t>
+            </a:r>
+            <a:r>
+              <a:rPr lang="en-US" altLang="ko-KR" sz="1400" dirty="0"/>
+              <a:t>&gt;</a:t>
+            </a:r>
+            <a:r>
+              <a:rPr lang="en-US" altLang="ko-KR" sz="1600" dirty="0" err="1"/>
               <a:t>org</a:t>
             </a:r>
             <a:r>
-              <a:rPr lang="en-US" altLang="ko-KR" sz="1400"/>
-              <a:t>.mybatis&lt;/groupId&gt;</a:t>
-            </a:r>
-          </a:p>
-          <a:p>
-            <a:r>
-              <a:rPr lang="en-US" altLang="ko-KR" sz="1400"/>
-              <a:t>&lt;artifactId&gt;mybatis-spring&lt;/artifactId&gt;</a:t>
-            </a:r>
-          </a:p>
-          <a:p>
-            <a:r>
-              <a:rPr lang="en-US" altLang="ko-KR" sz="1400"/>
+              <a:rPr lang="en-US" altLang="ko-KR" sz="1400" dirty="0" err="1"/>
+              <a:t>.mybatis</a:t>
+            </a:r>
+            <a:r>
+              <a:rPr lang="en-US" altLang="ko-KR" sz="1400" dirty="0"/>
+              <a:t>&lt;/</a:t>
+            </a:r>
+            <a:r>
+              <a:rPr lang="en-US" altLang="ko-KR" sz="1400" dirty="0" err="1"/>
+              <a:t>groupId</a:t>
+            </a:r>
+            <a:r>
+              <a:rPr lang="en-US" altLang="ko-KR" sz="1400" dirty="0"/>
+              <a:t>&gt;</a:t>
+            </a:r>
+          </a:p>
+          <a:p>
+            <a:r>
+              <a:rPr lang="en-US" altLang="ko-KR" sz="1400" dirty="0"/>
+              <a:t>&lt;</a:t>
+            </a:r>
+            <a:r>
+              <a:rPr lang="en-US" altLang="ko-KR" sz="1400" dirty="0" err="1"/>
+              <a:t>artifactId</a:t>
+            </a:r>
+            <a:r>
+              <a:rPr lang="en-US" altLang="ko-KR" sz="1400" dirty="0"/>
+              <a:t>&gt;</a:t>
+            </a:r>
+            <a:r>
+              <a:rPr lang="en-US" altLang="ko-KR" sz="1400" dirty="0" err="1"/>
+              <a:t>mybatis</a:t>
+            </a:r>
+            <a:r>
+              <a:rPr lang="en-US" altLang="ko-KR" sz="1400" dirty="0"/>
+              <a:t>-spring&lt;/</a:t>
+            </a:r>
+            <a:r>
+              <a:rPr lang="en-US" altLang="ko-KR" sz="1400" dirty="0" err="1"/>
+              <a:t>artifactId</a:t>
+            </a:r>
+            <a:r>
+              <a:rPr lang="en-US" altLang="ko-KR" sz="1400" dirty="0"/>
+              <a:t>&gt;</a:t>
+            </a:r>
+          </a:p>
+          <a:p>
+            <a:r>
+              <a:rPr lang="en-US" altLang="ko-KR" sz="1400" dirty="0"/>
               <a:t>&lt;version&gt;1.3.2&lt;/version&gt;</a:t>
             </a:r>
           </a:p>
           <a:p>
             <a:r>
-              <a:rPr lang="en-US" altLang="ko-KR" sz="1400"/>
+              <a:rPr lang="en-US" altLang="ko-KR" sz="1400" dirty="0"/>
               <a:t>&lt;/dependency&gt;</a:t>
             </a:r>
           </a:p>
           <a:p>
-            <a:endParaRPr lang="ko-KR" altLang="en-US" sz="1000"/>
+            <a:endParaRPr lang="ko-KR" altLang="en-US" sz="1000" dirty="0"/>
           </a:p>
         </p:txBody>
       </p:sp>

--- a/spring - 학습자료/PART1.pptx
+++ b/spring - 학습자료/PART1.pptx
@@ -1596,7 +1596,7 @@
           <a:p>
             <a:fld id="{34F19EB9-08EE-4231-8ACF-560992D1D5B5}" type="datetimeFigureOut">
               <a:rPr lang="ko-KR" altLang="en-US" smtClean="0"/>
-              <a:t>2023-04-14</a:t>
+              <a:t>2023-05-06</a:t>
             </a:fld>
             <a:endParaRPr lang="ko-KR" altLang="en-US"/>
           </a:p>
@@ -2095,7 +2095,7 @@
           <a:p>
             <a:fld id="{48A87A34-81AB-432B-8DAE-1953F412C126}" type="datetimeFigureOut">
               <a:rPr lang="en-US" smtClean="0"/>
-              <a:t>4/14/2023</a:t>
+              <a:t>5/6/2023</a:t>
             </a:fld>
             <a:endParaRPr lang="en-US"/>
           </a:p>
@@ -2293,7 +2293,7 @@
           <a:p>
             <a:fld id="{48A87A34-81AB-432B-8DAE-1953F412C126}" type="datetimeFigureOut">
               <a:rPr lang="en-US" smtClean="0"/>
-              <a:t>4/14/2023</a:t>
+              <a:t>5/6/2023</a:t>
             </a:fld>
             <a:endParaRPr lang="en-US"/>
           </a:p>
@@ -2501,7 +2501,7 @@
           <a:p>
             <a:fld id="{48A87A34-81AB-432B-8DAE-1953F412C126}" type="datetimeFigureOut">
               <a:rPr lang="en-US" smtClean="0"/>
-              <a:t>4/14/2023</a:t>
+              <a:t>5/6/2023</a:t>
             </a:fld>
             <a:endParaRPr lang="en-US"/>
           </a:p>
@@ -2709,7 +2709,7 @@
           <a:p>
             <a:fld id="{48A87A34-81AB-432B-8DAE-1953F412C126}" type="datetimeFigureOut">
               <a:rPr lang="en-US" smtClean="0"/>
-              <a:t>4/14/2023</a:t>
+              <a:t>5/6/2023</a:t>
             </a:fld>
             <a:endParaRPr lang="en-US"/>
           </a:p>
@@ -2984,7 +2984,7 @@
           <a:p>
             <a:fld id="{48A87A34-81AB-432B-8DAE-1953F412C126}" type="datetimeFigureOut">
               <a:rPr lang="en-US" smtClean="0"/>
-              <a:t>4/14/2023</a:t>
+              <a:t>5/6/2023</a:t>
             </a:fld>
             <a:endParaRPr lang="en-US"/>
           </a:p>
@@ -3250,7 +3250,7 @@
             <a:fld id="{48A87A34-81AB-432B-8DAE-1953F412C126}" type="datetimeFigureOut">
               <a:rPr lang="en-US" smtClean="0"/>
               <a:pPr/>
-              <a:t>4/14/2023</a:t>
+              <a:t>5/6/2023</a:t>
             </a:fld>
             <a:endParaRPr lang="en-US"/>
           </a:p>
@@ -3663,7 +3663,7 @@
           <a:p>
             <a:fld id="{48A87A34-81AB-432B-8DAE-1953F412C126}" type="datetimeFigureOut">
               <a:rPr lang="en-US" smtClean="0"/>
-              <a:t>4/14/2023</a:t>
+              <a:t>5/6/2023</a:t>
             </a:fld>
             <a:endParaRPr lang="en-US"/>
           </a:p>
@@ -3804,7 +3804,7 @@
           <a:p>
             <a:fld id="{48A87A34-81AB-432B-8DAE-1953F412C126}" type="datetimeFigureOut">
               <a:rPr lang="en-US" smtClean="0"/>
-              <a:t>4/14/2023</a:t>
+              <a:t>5/6/2023</a:t>
             </a:fld>
             <a:endParaRPr lang="en-US"/>
           </a:p>
@@ -3917,7 +3917,7 @@
           <a:p>
             <a:fld id="{48A87A34-81AB-432B-8DAE-1953F412C126}" type="datetimeFigureOut">
               <a:rPr lang="en-US" smtClean="0"/>
-              <a:t>4/14/2023</a:t>
+              <a:t>5/6/2023</a:t>
             </a:fld>
             <a:endParaRPr lang="en-US"/>
           </a:p>
@@ -4228,7 +4228,7 @@
           <a:p>
             <a:fld id="{48A87A34-81AB-432B-8DAE-1953F412C126}" type="datetimeFigureOut">
               <a:rPr lang="en-US" smtClean="0"/>
-              <a:t>4/14/2023</a:t>
+              <a:t>5/6/2023</a:t>
             </a:fld>
             <a:endParaRPr lang="en-US"/>
           </a:p>
@@ -4517,7 +4517,7 @@
             <a:fld id="{48A87A34-81AB-432B-8DAE-1953F412C126}" type="datetimeFigureOut">
               <a:rPr lang="en-US" smtClean="0"/>
               <a:pPr/>
-              <a:t>4/14/2023</a:t>
+              <a:t>5/6/2023</a:t>
             </a:fld>
             <a:endParaRPr lang="en-US"/>
           </a:p>
@@ -4760,7 +4760,7 @@
             <a:fld id="{48A87A34-81AB-432B-8DAE-1953F412C126}" type="datetimeFigureOut">
               <a:rPr lang="en-US" smtClean="0"/>
               <a:pPr/>
-              <a:t>4/14/2023</a:t>
+              <a:t>5/6/2023</a:t>
             </a:fld>
             <a:endParaRPr lang="en-US"/>
           </a:p>
@@ -6279,7 +6279,7 @@
         </p:blipFill>
         <p:spPr>
           <a:xfrm>
-            <a:off x="1719746" y="4133153"/>
+            <a:off x="1686495" y="4116527"/>
             <a:ext cx="4696219" cy="2862512"/>
           </a:xfrm>
           <a:prstGeom prst="rect">
@@ -8122,67 +8122,67 @@
           <a:p>
             <a:pPr lvl="0"/>
             <a:r>
-              <a:rPr lang="ko-KR" altLang="ko-KR"/>
+              <a:rPr lang="ko-KR" altLang="ko-KR" dirty="0"/>
               <a:t>스프링의 개발 환경 </a:t>
             </a:r>
             <a:r>
-              <a:rPr lang="en-US" altLang="ko-KR"/>
+              <a:rPr lang="en-US" altLang="ko-KR" dirty="0"/>
               <a:t>(STS(</a:t>
             </a:r>
             <a:r>
-              <a:rPr lang="ko-KR" altLang="ko-KR"/>
+              <a:rPr lang="ko-KR" altLang="ko-KR" dirty="0"/>
               <a:t>혹은 </a:t>
             </a:r>
             <a:r>
-              <a:rPr lang="en-US" altLang="ko-KR"/>
+              <a:rPr lang="en-US" altLang="ko-KR" dirty="0"/>
               <a:t>Eclipse), Lombok </a:t>
             </a:r>
             <a:r>
-              <a:rPr lang="ko-KR" altLang="ko-KR"/>
+              <a:rPr lang="ko-KR" altLang="ko-KR" dirty="0"/>
               <a:t>등</a:t>
             </a:r>
             <a:r>
-              <a:rPr lang="en-US" altLang="ko-KR"/>
+              <a:rPr lang="en-US" altLang="ko-KR" dirty="0"/>
               <a:t>) </a:t>
             </a:r>
-            <a:endParaRPr lang="ko-KR" altLang="ko-KR"/>
+            <a:endParaRPr lang="ko-KR" altLang="ko-KR" dirty="0"/>
           </a:p>
           <a:p>
             <a:pPr lvl="0"/>
             <a:r>
-              <a:rPr lang="ko-KR" altLang="ko-KR"/>
+              <a:rPr lang="ko-KR" altLang="ko-KR" dirty="0"/>
               <a:t>오라클 데이터베이스 설치 및 계정 설정 </a:t>
             </a:r>
           </a:p>
           <a:p>
             <a:pPr lvl="0"/>
             <a:r>
-              <a:rPr lang="ko-KR" altLang="ko-KR"/>
+              <a:rPr lang="ko-KR" altLang="ko-KR" dirty="0"/>
               <a:t>스프링과 </a:t>
             </a:r>
             <a:r>
-              <a:rPr lang="en-US" altLang="ko-KR"/>
+              <a:rPr lang="en-US" altLang="ko-KR" dirty="0"/>
               <a:t>MyBatis</a:t>
             </a:r>
             <a:r>
-              <a:rPr lang="ko-KR" altLang="ko-KR"/>
+              <a:rPr lang="ko-KR" altLang="ko-KR" dirty="0"/>
               <a:t>의 연동 설정 </a:t>
             </a:r>
           </a:p>
           <a:p>
             <a:r>
-              <a:rPr lang="ko-KR" altLang="ko-KR"/>
+              <a:rPr lang="ko-KR" altLang="ko-KR" dirty="0"/>
               <a:t>스프링 </a:t>
             </a:r>
             <a:r>
-              <a:rPr lang="en-US" altLang="ko-KR"/>
+              <a:rPr lang="en-US" altLang="ko-KR" dirty="0"/>
               <a:t>MVC</a:t>
             </a:r>
             <a:r>
-              <a:rPr lang="ko-KR" altLang="ko-KR"/>
+              <a:rPr lang="ko-KR" altLang="ko-KR" dirty="0"/>
               <a:t>의 구성 설정 및 테스트</a:t>
             </a:r>
-            <a:endParaRPr lang="ko-KR" altLang="en-US"/>
+            <a:endParaRPr lang="ko-KR" altLang="en-US" dirty="0"/>
           </a:p>
         </p:txBody>
       </p:sp>
@@ -16691,11 +16691,7 @@
           <a:p>
             <a:r>
               <a:rPr lang="ko-KR" altLang="en-US" dirty="0" smtClean="0"/>
-              <a:t>커넥션 </a:t>
-            </a:r>
-            <a:r>
-              <a:rPr lang="ko-KR" altLang="en-US" dirty="0" smtClean="0"/>
-              <a:t>풀</a:t>
+              <a:t>커넥션 풀</a:t>
             </a:r>
             <a:r>
               <a:rPr lang="en-US" altLang="ko-KR" dirty="0" smtClean="0"/>
@@ -16703,11 +16699,7 @@
             </a:r>
             <a:r>
               <a:rPr lang="ko-KR" altLang="en-US" dirty="0" smtClean="0"/>
-              <a:t> </a:t>
-            </a:r>
-            <a:r>
-              <a:rPr lang="ko-KR" altLang="en-US" dirty="0" smtClean="0"/>
-              <a:t>설정</a:t>
+              <a:t> 설정</a:t>
             </a:r>
             <a:r>
               <a:rPr lang="en-US" altLang="ko-KR" dirty="0" smtClean="0"/>
@@ -18428,15 +18420,7 @@
             </a:br>
             <a:r>
               <a:rPr lang="en-US" altLang="ko-KR" dirty="0" smtClean="0"/>
-              <a:t>     </a:t>
-            </a:r>
-            <a:r>
-              <a:rPr lang="en-US" altLang="ko-KR" dirty="0" smtClean="0"/>
-              <a:t>-- </a:t>
-            </a:r>
-            <a:r>
-              <a:rPr lang="en-US" altLang="ko-KR" dirty="0" smtClean="0"/>
-              <a:t>&gt; </a:t>
+              <a:t>     -- &gt; </a:t>
             </a:r>
             <a:r>
               <a:rPr lang="ko-KR" altLang="en-US" dirty="0" smtClean="0"/>
